--- a/doc/deck.pptx
+++ b/doc/deck.pptx
@@ -111,6 +111,11 @@
       </a:defRPr>
     </a:lvl9pPr>
   </p:defaultTextStyle>
+  <p:extLst>
+    <p:ext uri="{EFAFB233-063F-42B5-8137-9DF3F51BA10A}">
+      <p15:sldGuideLst xmlns:p15="http://schemas.microsoft.com/office/powerpoint/2012/main"/>
+    </p:ext>
+  </p:extLst>
 </p:presentation>
 </file>
 
@@ -5784,6 +5789,45 @@
             <p:ph type="ctrTitle"/>
           </p:nvPr>
         </p:nvSpPr>
+        <p:spPr>
+          <a:xfrm>
+            <a:off x="898358" y="2404534"/>
+            <a:ext cx="8375645" cy="1646302"/>
+          </a:xfrm>
+        </p:spPr>
+        <p:txBody>
+          <a:bodyPr/>
+          <a:lstStyle/>
+          <a:p>
+            <a:r>
+              <a:rPr lang="en-US" dirty="0" smtClean="0"/>
+              <a:t>Event-driven architecture</a:t>
+            </a:r>
+            <a:br>
+              <a:rPr lang="en-US" dirty="0" smtClean="0"/>
+            </a:br>
+            <a:r>
+              <a:rPr lang="en-US" dirty="0" smtClean="0"/>
+              <a:t>for a 12-factor </a:t>
+            </a:r>
+            <a:r>
+              <a:rPr lang="en-US" dirty="0" smtClean="0"/>
+              <a:t>app</a:t>
+            </a:r>
+            <a:endParaRPr lang="en-US" dirty="0"/>
+          </a:p>
+        </p:txBody>
+      </p:sp>
+      <p:sp>
+        <p:nvSpPr>
+          <p:cNvPr id="3" name="Subtitle 2"/>
+          <p:cNvSpPr>
+            <a:spLocks noGrp="1"/>
+          </p:cNvSpPr>
+          <p:nvPr>
+            <p:ph type="subTitle" idx="1"/>
+          </p:nvPr>
+        </p:nvSpPr>
         <p:spPr/>
         <p:txBody>
           <a:bodyPr/>
@@ -5791,38 +5835,19 @@
           <a:p>
             <a:r>
               <a:rPr lang="en-US" dirty="0" smtClean="0"/>
-              <a:t>Event-driven </a:t>
-            </a:r>
-            <a:r>
-              <a:rPr lang="en-US" dirty="0"/>
-              <a:t>architecture </a:t>
+              <a:t>How the event-driven architecture fits </a:t>
+            </a:r>
+            <a:r>
+              <a:rPr lang="en-US" dirty="0" err="1" smtClean="0"/>
+              <a:t>intothe</a:t>
             </a:r>
             <a:r>
               <a:rPr lang="en-US" dirty="0" smtClean="0"/>
-              <a:t>for a 12-factor app</a:t>
-            </a:r>
-            <a:endParaRPr lang="en-US" dirty="0"/>
-          </a:p>
-        </p:txBody>
-      </p:sp>
-      <p:sp>
-        <p:nvSpPr>
-          <p:cNvPr id="3" name="Subtitle 2"/>
-          <p:cNvSpPr>
-            <a:spLocks noGrp="1"/>
-          </p:cNvSpPr>
-          <p:nvPr>
-            <p:ph type="subTitle" idx="1"/>
-          </p:nvPr>
-        </p:nvSpPr>
-        <p:spPr/>
-        <p:txBody>
-          <a:bodyPr/>
-          <a:lstStyle/>
-          <a:p>
+              <a:t> </a:t>
+            </a:r>
             <a:r>
               <a:rPr lang="en-US" dirty="0" smtClean="0"/>
-              <a:t>How the event-driven architecture fits into the “</a:t>
+              <a:t>“</a:t>
             </a:r>
             <a:r>
               <a:rPr lang="en-US" dirty="0"/>
@@ -5919,27 +5944,50 @@
           <a:lstStyle/>
           <a:p>
             <a:r>
+              <a:rPr lang="en-US" dirty="0"/>
+              <a:t>H</a:t>
+            </a:r>
+            <a:r>
               <a:rPr lang="en-US" dirty="0" smtClean="0"/>
-              <a:t>A husband</a:t>
-            </a:r>
-          </a:p>
-          <a:p>
+              <a:t>usband</a:t>
+            </a:r>
+            <a:endParaRPr lang="en-US" dirty="0" smtClean="0"/>
+          </a:p>
+          <a:p>
+            <a:r>
+              <a:rPr lang="en-US" dirty="0"/>
+              <a:t>F</a:t>
+            </a:r>
             <a:r>
               <a:rPr lang="en-US" dirty="0" smtClean="0"/>
-              <a:t>A father</a:t>
-            </a:r>
-          </a:p>
-          <a:p>
+              <a:t>ather</a:t>
+            </a:r>
+            <a:endParaRPr lang="en-US" dirty="0" smtClean="0"/>
+          </a:p>
+          <a:p>
+            <a:r>
+              <a:rPr lang="en-US" dirty="0"/>
+              <a:t>S</a:t>
+            </a:r>
             <a:r>
               <a:rPr lang="en-US" dirty="0" smtClean="0"/>
-              <a:t>A software engineer</a:t>
-            </a:r>
-          </a:p>
-          <a:p>
+              <a:t>oftware </a:t>
+            </a:r>
             <a:r>
               <a:rPr lang="en-US" dirty="0" smtClean="0"/>
-              <a:t>A book worm</a:t>
-            </a:r>
+              <a:t>engineer</a:t>
+            </a:r>
+          </a:p>
+          <a:p>
+            <a:r>
+              <a:rPr lang="en-US" smtClean="0"/>
+              <a:t>B</a:t>
+            </a:r>
+            <a:r>
+              <a:rPr lang="en-US" smtClean="0"/>
+              <a:t>ookworm</a:t>
+            </a:r>
+            <a:endParaRPr lang="en-US" dirty="0" smtClean="0"/>
           </a:p>
           <a:p>
             <a:pPr marL="0" indent="0" algn="r">

--- a/doc/deck.pptx
+++ b/doc/deck.pptx
@@ -5838,12 +5838,8 @@
               <a:t>How the event-driven architecture fits </a:t>
             </a:r>
             <a:r>
-              <a:rPr lang="en-US" dirty="0" err="1" smtClean="0"/>
-              <a:t>intothe</a:t>
-            </a:r>
-            <a:r>
               <a:rPr lang="en-US" dirty="0" smtClean="0"/>
-              <a:t> </a:t>
+              <a:t>into the </a:t>
             </a:r>
             <a:r>
               <a:rPr lang="en-US" dirty="0" smtClean="0"/>
@@ -5980,11 +5976,11 @@
           </a:p>
           <a:p>
             <a:r>
-              <a:rPr lang="en-US" smtClean="0"/>
+              <a:rPr lang="en-US" dirty="0" smtClean="0"/>
               <a:t>B</a:t>
             </a:r>
             <a:r>
-              <a:rPr lang="en-US" smtClean="0"/>
+              <a:rPr lang="en-US" dirty="0" smtClean="0"/>
               <a:t>ookworm</a:t>
             </a:r>
             <a:endParaRPr lang="en-US" dirty="0" smtClean="0"/>

--- a/doc/deck.pptx
+++ b/doc/deck.pptx
@@ -8,7 +8,7 @@
     <p:sldId id="256" r:id="rId2"/>
     <p:sldId id="257" r:id="rId3"/>
     <p:sldId id="264" r:id="rId4"/>
-    <p:sldId id="261" r:id="rId5"/>
+    <p:sldId id="265" r:id="rId5"/>
     <p:sldId id="262" r:id="rId6"/>
     <p:sldId id="263" r:id="rId7"/>
     <p:sldId id="259" r:id="rId8"/>
@@ -6493,7 +6493,7 @@
           <a:bodyPr/>
           <a:lstStyle/>
           <a:p>
-            <a:pPr algn="r"/>
+            <a:pPr algn="ctr"/>
             <a:r>
               <a:rPr lang="en-US" dirty="0" smtClean="0"/>
               <a:t>The event-driven architecture</a:t>
@@ -6504,12 +6504,12 @@
       </p:sp>
       <p:sp>
         <p:nvSpPr>
-          <p:cNvPr id="3" name="Content Placeholder 2"/>
-          <p:cNvSpPr>
-            <a:spLocks noGrp="1"/>
-          </p:cNvSpPr>
-          <p:nvPr>
-            <p:ph idx="1"/>
+          <p:cNvPr id="3" name="Text Placeholder 2"/>
+          <p:cNvSpPr>
+            <a:spLocks noGrp="1"/>
+          </p:cNvSpPr>
+          <p:nvPr>
+            <p:ph type="body" idx="1"/>
           </p:nvPr>
         </p:nvSpPr>
         <p:spPr/>
@@ -6517,27 +6517,107 @@
           <a:bodyPr/>
           <a:lstStyle/>
           <a:p>
-            <a:endParaRPr lang="en-US" dirty="0"/>
-          </a:p>
-        </p:txBody>
-      </p:sp>
+            <a:pPr algn="ctr"/>
+            <a:r>
+              <a:rPr lang="en-US" dirty="0" smtClean="0"/>
+              <a:t>Mediator Topology</a:t>
+            </a:r>
+            <a:endParaRPr lang="en-US" dirty="0"/>
+          </a:p>
+        </p:txBody>
+      </p:sp>
+      <p:pic>
+        <p:nvPicPr>
+          <p:cNvPr id="7" name="Content Placeholder 6"/>
+          <p:cNvPicPr>
+            <a:picLocks noGrp="1" noChangeAspect="1"/>
+          </p:cNvPicPr>
+          <p:nvPr>
+            <p:ph sz="half" idx="2"/>
+          </p:nvPr>
+        </p:nvPicPr>
+        <p:blipFill>
+          <a:blip r:embed="rId2">
+            <a:extLst>
+              <a:ext uri="{28A0092B-C50C-407E-A947-70E740481C1C}">
+                <a14:useLocalDpi xmlns:a14="http://schemas.microsoft.com/office/drawing/2010/main" val="0"/>
+              </a:ext>
+            </a:extLst>
+          </a:blip>
+          <a:stretch>
+            <a:fillRect/>
+          </a:stretch>
+        </p:blipFill>
+        <p:spPr>
+          <a:xfrm>
+            <a:off x="676275" y="2778235"/>
+            <a:ext cx="4184650" cy="3222404"/>
+          </a:xfrm>
+        </p:spPr>
+      </p:pic>
+      <p:sp>
+        <p:nvSpPr>
+          <p:cNvPr id="5" name="Text Placeholder 4"/>
+          <p:cNvSpPr>
+            <a:spLocks noGrp="1"/>
+          </p:cNvSpPr>
+          <p:nvPr>
+            <p:ph type="body" sz="quarter" idx="3"/>
+          </p:nvPr>
+        </p:nvSpPr>
+        <p:spPr/>
+        <p:txBody>
+          <a:bodyPr/>
+          <a:lstStyle/>
+          <a:p>
+            <a:pPr algn="ctr"/>
+            <a:r>
+              <a:rPr lang="en-US" dirty="0" smtClean="0"/>
+              <a:t>Broker Topology</a:t>
+            </a:r>
+            <a:endParaRPr lang="en-US" dirty="0"/>
+          </a:p>
+        </p:txBody>
+      </p:sp>
+      <p:pic>
+        <p:nvPicPr>
+          <p:cNvPr id="8" name="Content Placeholder 7"/>
+          <p:cNvPicPr>
+            <a:picLocks noGrp="1" noChangeAspect="1"/>
+          </p:cNvPicPr>
+          <p:nvPr>
+            <p:ph sz="quarter" idx="4"/>
+          </p:nvPr>
+        </p:nvPicPr>
+        <p:blipFill>
+          <a:blip r:embed="rId3">
+            <a:extLst>
+              <a:ext uri="{28A0092B-C50C-407E-A947-70E740481C1C}">
+                <a14:useLocalDpi xmlns:a14="http://schemas.microsoft.com/office/drawing/2010/main" val="0"/>
+              </a:ext>
+            </a:extLst>
+          </a:blip>
+          <a:stretch>
+            <a:fillRect/>
+          </a:stretch>
+        </p:blipFill>
+        <p:spPr>
+          <a:xfrm>
+            <a:off x="5454683" y="3222628"/>
+            <a:ext cx="3452746" cy="2333619"/>
+          </a:xfrm>
+        </p:spPr>
+      </p:pic>
     </p:spTree>
     <p:extLst>
       <p:ext uri="{BB962C8B-B14F-4D97-AF65-F5344CB8AC3E}">
-        <p14:creationId xmlns:p14="http://schemas.microsoft.com/office/powerpoint/2010/main" val="2295469622"/>
+        <p14:creationId xmlns:p14="http://schemas.microsoft.com/office/powerpoint/2010/main" val="1482599912"/>
       </p:ext>
     </p:extLst>
   </p:cSld>
   <p:clrMapOvr>
     <a:masterClrMapping/>
   </p:clrMapOvr>
-  <p:timing>
-    <p:tnLst>
-      <p:par>
-        <p:cTn id="1" dur="indefinite" restart="never" nodeType="tmRoot"/>
-      </p:par>
-    </p:tnLst>
-  </p:timing>
 </p:sld>
 </file>
 

--- a/doc/deck.pptx
+++ b/doc/deck.pptx
@@ -842,7 +842,7 @@
             <a:fld id="{B61BEF0D-F0BB-DE4B-95CE-6DB70DBA9567}" type="datetimeFigureOut">
               <a:rPr lang="en-US" dirty="0"/>
               <a:pPr/>
-              <a:t>4/24/2019</a:t>
+              <a:t>4/27/2019</a:t>
             </a:fld>
             <a:endParaRPr lang="en-US" dirty="0"/>
           </a:p>
@@ -1090,7 +1090,7 @@
             <a:fld id="{B61BEF0D-F0BB-DE4B-95CE-6DB70DBA9567}" type="datetimeFigureOut">
               <a:rPr lang="en-US" dirty="0"/>
               <a:pPr/>
-              <a:t>4/24/2019</a:t>
+              <a:t>4/27/2019</a:t>
             </a:fld>
             <a:endParaRPr lang="en-US" dirty="0"/>
           </a:p>
@@ -1401,7 +1401,7 @@
             <a:fld id="{B61BEF0D-F0BB-DE4B-95CE-6DB70DBA9567}" type="datetimeFigureOut">
               <a:rPr lang="en-US" dirty="0"/>
               <a:pPr/>
-              <a:t>4/24/2019</a:t>
+              <a:t>4/27/2019</a:t>
             </a:fld>
             <a:endParaRPr lang="en-US" dirty="0"/>
           </a:p>
@@ -1739,7 +1739,7 @@
             <a:fld id="{B61BEF0D-F0BB-DE4B-95CE-6DB70DBA9567}" type="datetimeFigureOut">
               <a:rPr lang="en-US" dirty="0"/>
               <a:pPr/>
-              <a:t>4/24/2019</a:t>
+              <a:t>4/27/2019</a:t>
             </a:fld>
             <a:endParaRPr lang="en-US" dirty="0"/>
           </a:p>
@@ -2050,7 +2050,7 @@
             <a:fld id="{B61BEF0D-F0BB-DE4B-95CE-6DB70DBA9567}" type="datetimeFigureOut">
               <a:rPr lang="en-US" dirty="0"/>
               <a:pPr/>
-              <a:t>4/24/2019</a:t>
+              <a:t>4/27/2019</a:t>
             </a:fld>
             <a:endParaRPr lang="en-US" dirty="0"/>
           </a:p>
@@ -2440,7 +2440,7 @@
             <a:fld id="{B61BEF0D-F0BB-DE4B-95CE-6DB70DBA9567}" type="datetimeFigureOut">
               <a:rPr lang="en-US" dirty="0"/>
               <a:pPr/>
-              <a:t>4/24/2019</a:t>
+              <a:t>4/27/2019</a:t>
             </a:fld>
             <a:endParaRPr lang="en-US" dirty="0"/>
           </a:p>
@@ -2606,7 +2606,7 @@
           <a:p>
             <a:fld id="{55C6B4A9-1611-4792-9094-5F34BCA07E0B}" type="datetimeFigureOut">
               <a:rPr lang="en-US" dirty="0"/>
-              <a:t>4/24/2019</a:t>
+              <a:t>4/27/2019</a:t>
             </a:fld>
             <a:endParaRPr lang="en-US" dirty="0"/>
           </a:p>
@@ -2782,7 +2782,7 @@
             <a:fld id="{B61BEF0D-F0BB-DE4B-95CE-6DB70DBA9567}" type="datetimeFigureOut">
               <a:rPr lang="en-US" dirty="0"/>
               <a:pPr/>
-              <a:t>4/24/2019</a:t>
+              <a:t>4/27/2019</a:t>
             </a:fld>
             <a:endParaRPr lang="en-US" dirty="0"/>
           </a:p>
@@ -2955,7 +2955,7 @@
             <a:fld id="{B61BEF0D-F0BB-DE4B-95CE-6DB70DBA9567}" type="datetimeFigureOut">
               <a:rPr lang="en-US" dirty="0"/>
               <a:pPr/>
-              <a:t>4/24/2019</a:t>
+              <a:t>4/27/2019</a:t>
             </a:fld>
             <a:endParaRPr lang="en-US" dirty="0"/>
           </a:p>
@@ -3199,7 +3199,7 @@
             <a:fld id="{B61BEF0D-F0BB-DE4B-95CE-6DB70DBA9567}" type="datetimeFigureOut">
               <a:rPr lang="en-US" dirty="0"/>
               <a:pPr/>
-              <a:t>4/24/2019</a:t>
+              <a:t>4/27/2019</a:t>
             </a:fld>
             <a:endParaRPr lang="en-US" dirty="0"/>
           </a:p>
@@ -3427,7 +3427,7 @@
           <a:p>
             <a:fld id="{EB712588-04B1-427B-82EE-E8DB90309F08}" type="datetimeFigureOut">
               <a:rPr lang="en-US" dirty="0"/>
-              <a:t>4/24/2019</a:t>
+              <a:t>4/27/2019</a:t>
             </a:fld>
             <a:endParaRPr lang="en-US" dirty="0"/>
           </a:p>
@@ -3797,7 +3797,7 @@
             <a:fld id="{B61BEF0D-F0BB-DE4B-95CE-6DB70DBA9567}" type="datetimeFigureOut">
               <a:rPr lang="en-US" dirty="0"/>
               <a:pPr/>
-              <a:t>4/24/2019</a:t>
+              <a:t>4/27/2019</a:t>
             </a:fld>
             <a:endParaRPr lang="en-US" dirty="0"/>
           </a:p>
@@ -3917,7 +3917,7 @@
             <a:fld id="{B61BEF0D-F0BB-DE4B-95CE-6DB70DBA9567}" type="datetimeFigureOut">
               <a:rPr lang="en-US" dirty="0"/>
               <a:pPr/>
-              <a:t>4/24/2019</a:t>
+              <a:t>4/27/2019</a:t>
             </a:fld>
             <a:endParaRPr lang="en-US" dirty="0"/>
           </a:p>
@@ -4009,7 +4009,7 @@
             <a:fld id="{B61BEF0D-F0BB-DE4B-95CE-6DB70DBA9567}" type="datetimeFigureOut">
               <a:rPr lang="en-US" dirty="0"/>
               <a:pPr/>
-              <a:t>4/24/2019</a:t>
+              <a:t>4/27/2019</a:t>
             </a:fld>
             <a:endParaRPr lang="en-US" dirty="0"/>
           </a:p>
@@ -4260,7 +4260,7 @@
           <a:p>
             <a:fld id="{42A54C80-263E-416B-A8E0-580EDEADCBDC}" type="datetimeFigureOut">
               <a:rPr lang="en-US" dirty="0"/>
-              <a:t>4/24/2019</a:t>
+              <a:t>4/27/2019</a:t>
             </a:fld>
             <a:endParaRPr lang="en-US" dirty="0"/>
           </a:p>
@@ -4519,7 +4519,7 @@
             <a:fld id="{B61BEF0D-F0BB-DE4B-95CE-6DB70DBA9567}" type="datetimeFigureOut">
               <a:rPr lang="en-US" dirty="0"/>
               <a:pPr/>
-              <a:t>4/24/2019</a:t>
+              <a:t>4/27/2019</a:t>
             </a:fld>
             <a:endParaRPr lang="en-US" dirty="0"/>
           </a:p>
@@ -5259,7 +5259,7 @@
             <a:fld id="{B61BEF0D-F0BB-DE4B-95CE-6DB70DBA9567}" type="datetimeFigureOut">
               <a:rPr lang="en-US" dirty="0"/>
               <a:pPr/>
-              <a:t>4/24/2019</a:t>
+              <a:t>4/27/2019</a:t>
             </a:fld>
             <a:endParaRPr lang="en-US" dirty="0"/>
           </a:p>
@@ -5808,42 +5808,30 @@
             </a:br>
             <a:r>
               <a:rPr lang="en-US" dirty="0" smtClean="0"/>
-              <a:t>for a 12-factor </a:t>
-            </a:r>
+              <a:t>for a 12-factor app</a:t>
+            </a:r>
+            <a:endParaRPr lang="en-US" dirty="0"/>
+          </a:p>
+        </p:txBody>
+      </p:sp>
+      <p:sp>
+        <p:nvSpPr>
+          <p:cNvPr id="3" name="Subtitle 2"/>
+          <p:cNvSpPr>
+            <a:spLocks noGrp="1"/>
+          </p:cNvSpPr>
+          <p:nvPr>
+            <p:ph type="subTitle" idx="1"/>
+          </p:nvPr>
+        </p:nvSpPr>
+        <p:spPr/>
+        <p:txBody>
+          <a:bodyPr/>
+          <a:lstStyle/>
+          <a:p>
             <a:r>
               <a:rPr lang="en-US" dirty="0" smtClean="0"/>
-              <a:t>app</a:t>
-            </a:r>
-            <a:endParaRPr lang="en-US" dirty="0"/>
-          </a:p>
-        </p:txBody>
-      </p:sp>
-      <p:sp>
-        <p:nvSpPr>
-          <p:cNvPr id="3" name="Subtitle 2"/>
-          <p:cNvSpPr>
-            <a:spLocks noGrp="1"/>
-          </p:cNvSpPr>
-          <p:nvPr>
-            <p:ph type="subTitle" idx="1"/>
-          </p:nvPr>
-        </p:nvSpPr>
-        <p:spPr/>
-        <p:txBody>
-          <a:bodyPr/>
-          <a:lstStyle/>
-          <a:p>
-            <a:r>
-              <a:rPr lang="en-US" dirty="0" smtClean="0"/>
-              <a:t>How the event-driven architecture fits </a:t>
-            </a:r>
-            <a:r>
-              <a:rPr lang="en-US" dirty="0" smtClean="0"/>
-              <a:t>into the </a:t>
-            </a:r>
-            <a:r>
-              <a:rPr lang="en-US" dirty="0" smtClean="0"/>
-              <a:t>“</a:t>
+              <a:t>How the event-driven architecture fits into the “</a:t>
             </a:r>
             <a:r>
               <a:rPr lang="en-US" dirty="0"/>
@@ -5947,7 +5935,6 @@
               <a:rPr lang="en-US" dirty="0" smtClean="0"/>
               <a:t>usband</a:t>
             </a:r>
-            <a:endParaRPr lang="en-US" dirty="0" smtClean="0"/>
           </a:p>
           <a:p>
             <a:r>
@@ -5958,7 +5945,6 @@
               <a:rPr lang="en-US" dirty="0" smtClean="0"/>
               <a:t>ather</a:t>
             </a:r>
-            <a:endParaRPr lang="en-US" dirty="0" smtClean="0"/>
           </a:p>
           <a:p>
             <a:r>
@@ -5967,23 +5953,14 @@
             </a:r>
             <a:r>
               <a:rPr lang="en-US" dirty="0" smtClean="0"/>
-              <a:t>oftware </a:t>
-            </a:r>
+              <a:t>oftware engineer</a:t>
+            </a:r>
+          </a:p>
+          <a:p>
             <a:r>
               <a:rPr lang="en-US" dirty="0" smtClean="0"/>
-              <a:t>engineer</a:t>
-            </a:r>
-          </a:p>
-          <a:p>
-            <a:r>
-              <a:rPr lang="en-US" dirty="0" smtClean="0"/>
-              <a:t>B</a:t>
-            </a:r>
-            <a:r>
-              <a:rPr lang="en-US" dirty="0" smtClean="0"/>
-              <a:t>ookworm</a:t>
-            </a:r>
-            <a:endParaRPr lang="en-US" dirty="0" smtClean="0"/>
+              <a:t>Bookworm</a:t>
+            </a:r>
           </a:p>
           <a:p>
             <a:pPr marL="0" indent="0" algn="r">
@@ -6050,6 +6027,36 @@
           </a:p>
         </p:txBody>
       </p:sp>
+      <p:pic>
+        <p:nvPicPr>
+          <p:cNvPr id="4" name="Picture 3"/>
+          <p:cNvPicPr>
+            <a:picLocks noChangeAspect="1"/>
+          </p:cNvPicPr>
+          <p:nvPr/>
+        </p:nvPicPr>
+        <p:blipFill>
+          <a:blip r:embed="rId5">
+            <a:extLst>
+              <a:ext uri="{28A0092B-C50C-407E-A947-70E740481C1C}">
+                <a14:useLocalDpi xmlns:a14="http://schemas.microsoft.com/office/drawing/2010/main" val="0"/>
+              </a:ext>
+            </a:extLst>
+          </a:blip>
+          <a:stretch>
+            <a:fillRect/>
+          </a:stretch>
+        </p:blipFill>
+        <p:spPr>
+          <a:xfrm>
+            <a:off x="6798209" y="609600"/>
+            <a:ext cx="2475793" cy="2967789"/>
+          </a:xfrm>
+          <a:prstGeom prst="rect">
+            <a:avLst/>
+          </a:prstGeom>
+        </p:spPr>
+      </p:pic>
     </p:spTree>
     <p:extLst>
       <p:ext uri="{BB962C8B-B14F-4D97-AF65-F5344CB8AC3E}">
@@ -6401,7 +6408,7 @@
         </p:nvSpPr>
         <p:spPr>
           <a:xfrm>
-            <a:off x="677334" y="1586191"/>
+            <a:off x="677334" y="1381125"/>
             <a:ext cx="3171825" cy="369332"/>
           </a:xfrm>
           <a:prstGeom prst="rect">
@@ -6441,6 +6448,66 @@
           </a:p>
         </p:txBody>
       </p:sp>
+      <p:pic>
+        <p:nvPicPr>
+          <p:cNvPr id="6" name="Picture 5"/>
+          <p:cNvPicPr>
+            <a:picLocks noChangeAspect="1"/>
+          </p:cNvPicPr>
+          <p:nvPr/>
+        </p:nvPicPr>
+        <p:blipFill>
+          <a:blip r:embed="rId15">
+            <a:extLst>
+              <a:ext uri="{28A0092B-C50C-407E-A947-70E740481C1C}">
+                <a14:useLocalDpi xmlns:a14="http://schemas.microsoft.com/office/drawing/2010/main" val="0"/>
+              </a:ext>
+            </a:extLst>
+          </a:blip>
+          <a:stretch>
+            <a:fillRect/>
+          </a:stretch>
+        </p:blipFill>
+        <p:spPr>
+          <a:xfrm>
+            <a:off x="6704734" y="609600"/>
+            <a:ext cx="954505" cy="1193131"/>
+          </a:xfrm>
+          <a:prstGeom prst="rect">
+            <a:avLst/>
+          </a:prstGeom>
+        </p:spPr>
+      </p:pic>
+      <p:pic>
+        <p:nvPicPr>
+          <p:cNvPr id="7" name="Picture 6"/>
+          <p:cNvPicPr>
+            <a:picLocks noChangeAspect="1"/>
+          </p:cNvPicPr>
+          <p:nvPr/>
+        </p:nvPicPr>
+        <p:blipFill>
+          <a:blip r:embed="rId16">
+            <a:extLst>
+              <a:ext uri="{28A0092B-C50C-407E-A947-70E740481C1C}">
+                <a14:useLocalDpi xmlns:a14="http://schemas.microsoft.com/office/drawing/2010/main" val="0"/>
+              </a:ext>
+            </a:extLst>
+          </a:blip>
+          <a:stretch>
+            <a:fillRect/>
+          </a:stretch>
+        </p:blipFill>
+        <p:spPr>
+          <a:xfrm>
+            <a:off x="7900737" y="609600"/>
+            <a:ext cx="956172" cy="1187745"/>
+          </a:xfrm>
+          <a:prstGeom prst="rect">
+            <a:avLst/>
+          </a:prstGeom>
+        </p:spPr>
+      </p:pic>
     </p:spTree>
     <p:extLst>
       <p:ext uri="{BB962C8B-B14F-4D97-AF65-F5344CB8AC3E}">
@@ -6608,6 +6675,37 @@
           </a:xfrm>
         </p:spPr>
       </p:pic>
+      <p:sp>
+        <p:nvSpPr>
+          <p:cNvPr id="4" name="TextBox 3"/>
+          <p:cNvSpPr txBox="1"/>
+          <p:nvPr/>
+        </p:nvSpPr>
+        <p:spPr>
+          <a:xfrm>
+            <a:off x="675745" y="1270000"/>
+            <a:ext cx="8231684" cy="923330"/>
+          </a:xfrm>
+          <a:prstGeom prst="rect">
+            <a:avLst/>
+          </a:prstGeom>
+          <a:noFill/>
+        </p:spPr>
+        <p:txBody>
+          <a:bodyPr wrap="square" rtlCol="0">
+            <a:spAutoFit/>
+          </a:bodyPr>
+          <a:lstStyle/>
+          <a:p>
+            <a:pPr algn="ctr"/>
+            <a:r>
+              <a:rPr lang="en-US" dirty="0"/>
+              <a:t>The event-driven architecture is made up of highly decoupled, single-purpose event processing components that asynchronously receive and process events. </a:t>
+            </a:r>
+            <a:endParaRPr lang="en-US" dirty="0"/>
+          </a:p>
+        </p:txBody>
+      </p:sp>
     </p:spTree>
     <p:extLst>
       <p:ext uri="{BB962C8B-B14F-4D97-AF65-F5344CB8AC3E}">
@@ -6618,6 +6716,13 @@
   <p:clrMapOvr>
     <a:masterClrMapping/>
   </p:clrMapOvr>
+  <p:timing>
+    <p:tnLst>
+      <p:par>
+        <p:cTn id="1" dur="indefinite" restart="never" nodeType="tmRoot"/>
+      </p:par>
+    </p:tnLst>
+  </p:timing>
 </p:sld>
 </file>
 

--- a/doc/deck.pptx
+++ b/doc/deck.pptx
@@ -9,8 +9,8 @@
     <p:sldId id="257" r:id="rId3"/>
     <p:sldId id="264" r:id="rId4"/>
     <p:sldId id="265" r:id="rId5"/>
-    <p:sldId id="262" r:id="rId6"/>
-    <p:sldId id="263" r:id="rId7"/>
+    <p:sldId id="263" r:id="rId6"/>
+    <p:sldId id="266" r:id="rId7"/>
     <p:sldId id="259" r:id="rId8"/>
     <p:sldId id="258" r:id="rId9"/>
   </p:sldIdLst>
@@ -842,7 +842,7 @@
             <a:fld id="{B61BEF0D-F0BB-DE4B-95CE-6DB70DBA9567}" type="datetimeFigureOut">
               <a:rPr lang="en-US" dirty="0"/>
               <a:pPr/>
-              <a:t>4/27/2019</a:t>
+              <a:t>4/30/2019</a:t>
             </a:fld>
             <a:endParaRPr lang="en-US" dirty="0"/>
           </a:p>
@@ -1090,7 +1090,7 @@
             <a:fld id="{B61BEF0D-F0BB-DE4B-95CE-6DB70DBA9567}" type="datetimeFigureOut">
               <a:rPr lang="en-US" dirty="0"/>
               <a:pPr/>
-              <a:t>4/27/2019</a:t>
+              <a:t>4/30/2019</a:t>
             </a:fld>
             <a:endParaRPr lang="en-US" dirty="0"/>
           </a:p>
@@ -1401,7 +1401,7 @@
             <a:fld id="{B61BEF0D-F0BB-DE4B-95CE-6DB70DBA9567}" type="datetimeFigureOut">
               <a:rPr lang="en-US" dirty="0"/>
               <a:pPr/>
-              <a:t>4/27/2019</a:t>
+              <a:t>4/30/2019</a:t>
             </a:fld>
             <a:endParaRPr lang="en-US" dirty="0"/>
           </a:p>
@@ -1739,7 +1739,7 @@
             <a:fld id="{B61BEF0D-F0BB-DE4B-95CE-6DB70DBA9567}" type="datetimeFigureOut">
               <a:rPr lang="en-US" dirty="0"/>
               <a:pPr/>
-              <a:t>4/27/2019</a:t>
+              <a:t>4/30/2019</a:t>
             </a:fld>
             <a:endParaRPr lang="en-US" dirty="0"/>
           </a:p>
@@ -2050,7 +2050,7 @@
             <a:fld id="{B61BEF0D-F0BB-DE4B-95CE-6DB70DBA9567}" type="datetimeFigureOut">
               <a:rPr lang="en-US" dirty="0"/>
               <a:pPr/>
-              <a:t>4/27/2019</a:t>
+              <a:t>4/30/2019</a:t>
             </a:fld>
             <a:endParaRPr lang="en-US" dirty="0"/>
           </a:p>
@@ -2440,7 +2440,7 @@
             <a:fld id="{B61BEF0D-F0BB-DE4B-95CE-6DB70DBA9567}" type="datetimeFigureOut">
               <a:rPr lang="en-US" dirty="0"/>
               <a:pPr/>
-              <a:t>4/27/2019</a:t>
+              <a:t>4/30/2019</a:t>
             </a:fld>
             <a:endParaRPr lang="en-US" dirty="0"/>
           </a:p>
@@ -2606,7 +2606,7 @@
           <a:p>
             <a:fld id="{55C6B4A9-1611-4792-9094-5F34BCA07E0B}" type="datetimeFigureOut">
               <a:rPr lang="en-US" dirty="0"/>
-              <a:t>4/27/2019</a:t>
+              <a:t>4/30/2019</a:t>
             </a:fld>
             <a:endParaRPr lang="en-US" dirty="0"/>
           </a:p>
@@ -2782,7 +2782,7 @@
             <a:fld id="{B61BEF0D-F0BB-DE4B-95CE-6DB70DBA9567}" type="datetimeFigureOut">
               <a:rPr lang="en-US" dirty="0"/>
               <a:pPr/>
-              <a:t>4/27/2019</a:t>
+              <a:t>4/30/2019</a:t>
             </a:fld>
             <a:endParaRPr lang="en-US" dirty="0"/>
           </a:p>
@@ -2955,7 +2955,7 @@
             <a:fld id="{B61BEF0D-F0BB-DE4B-95CE-6DB70DBA9567}" type="datetimeFigureOut">
               <a:rPr lang="en-US" dirty="0"/>
               <a:pPr/>
-              <a:t>4/27/2019</a:t>
+              <a:t>4/30/2019</a:t>
             </a:fld>
             <a:endParaRPr lang="en-US" dirty="0"/>
           </a:p>
@@ -3199,7 +3199,7 @@
             <a:fld id="{B61BEF0D-F0BB-DE4B-95CE-6DB70DBA9567}" type="datetimeFigureOut">
               <a:rPr lang="en-US" dirty="0"/>
               <a:pPr/>
-              <a:t>4/27/2019</a:t>
+              <a:t>4/30/2019</a:t>
             </a:fld>
             <a:endParaRPr lang="en-US" dirty="0"/>
           </a:p>
@@ -3427,7 +3427,7 @@
           <a:p>
             <a:fld id="{EB712588-04B1-427B-82EE-E8DB90309F08}" type="datetimeFigureOut">
               <a:rPr lang="en-US" dirty="0"/>
-              <a:t>4/27/2019</a:t>
+              <a:t>4/30/2019</a:t>
             </a:fld>
             <a:endParaRPr lang="en-US" dirty="0"/>
           </a:p>
@@ -3797,7 +3797,7 @@
             <a:fld id="{B61BEF0D-F0BB-DE4B-95CE-6DB70DBA9567}" type="datetimeFigureOut">
               <a:rPr lang="en-US" dirty="0"/>
               <a:pPr/>
-              <a:t>4/27/2019</a:t>
+              <a:t>4/30/2019</a:t>
             </a:fld>
             <a:endParaRPr lang="en-US" dirty="0"/>
           </a:p>
@@ -3917,7 +3917,7 @@
             <a:fld id="{B61BEF0D-F0BB-DE4B-95CE-6DB70DBA9567}" type="datetimeFigureOut">
               <a:rPr lang="en-US" dirty="0"/>
               <a:pPr/>
-              <a:t>4/27/2019</a:t>
+              <a:t>4/30/2019</a:t>
             </a:fld>
             <a:endParaRPr lang="en-US" dirty="0"/>
           </a:p>
@@ -4009,7 +4009,7 @@
             <a:fld id="{B61BEF0D-F0BB-DE4B-95CE-6DB70DBA9567}" type="datetimeFigureOut">
               <a:rPr lang="en-US" dirty="0"/>
               <a:pPr/>
-              <a:t>4/27/2019</a:t>
+              <a:t>4/30/2019</a:t>
             </a:fld>
             <a:endParaRPr lang="en-US" dirty="0"/>
           </a:p>
@@ -4260,7 +4260,7 @@
           <a:p>
             <a:fld id="{42A54C80-263E-416B-A8E0-580EDEADCBDC}" type="datetimeFigureOut">
               <a:rPr lang="en-US" dirty="0"/>
-              <a:t>4/27/2019</a:t>
+              <a:t>4/30/2019</a:t>
             </a:fld>
             <a:endParaRPr lang="en-US" dirty="0"/>
           </a:p>
@@ -4519,7 +4519,7 @@
             <a:fld id="{B61BEF0D-F0BB-DE4B-95CE-6DB70DBA9567}" type="datetimeFigureOut">
               <a:rPr lang="en-US" dirty="0"/>
               <a:pPr/>
-              <a:t>4/27/2019</a:t>
+              <a:t>4/30/2019</a:t>
             </a:fld>
             <a:endParaRPr lang="en-US" dirty="0"/>
           </a:p>
@@ -5259,7 +5259,7 @@
             <a:fld id="{B61BEF0D-F0BB-DE4B-95CE-6DB70DBA9567}" type="datetimeFigureOut">
               <a:rPr lang="en-US" dirty="0"/>
               <a:pPr/>
-              <a:t>4/27/2019</a:t>
+              <a:t>4/30/2019</a:t>
             </a:fld>
             <a:endParaRPr lang="en-US" dirty="0"/>
           </a:p>
@@ -5839,7 +5839,15 @@
             </a:r>
             <a:r>
               <a:rPr lang="en-US" dirty="0" smtClean="0"/>
-              <a:t>acking services” and “Stateless processes” factors</a:t>
+              <a:t>acking services</a:t>
+            </a:r>
+            <a:r>
+              <a:rPr lang="en-US" dirty="0" smtClean="0"/>
+              <a:t>”, “Processes” and “Disposability” </a:t>
+            </a:r>
+            <a:r>
+              <a:rPr lang="en-US" dirty="0" smtClean="0"/>
+              <a:t>factors</a:t>
             </a:r>
             <a:endParaRPr lang="en-US" dirty="0"/>
           </a:p>
@@ -6702,7 +6710,6 @@
               <a:rPr lang="en-US" dirty="0"/>
               <a:t>The event-driven architecture is made up of highly decoupled, single-purpose event processing components that asynchronously receive and process events. </a:t>
             </a:r>
-            <a:endParaRPr lang="en-US" dirty="0"/>
           </a:p>
         </p:txBody>
       </p:sp>
@@ -6727,86 +6734,6 @@
 </file>
 
 <file path=ppt/slides/slide5.xml><?xml version="1.0" encoding="utf-8"?>
-<p:sld xmlns:a="http://schemas.openxmlformats.org/drawingml/2006/main" xmlns:r="http://schemas.openxmlformats.org/officeDocument/2006/relationships" xmlns:p="http://schemas.openxmlformats.org/presentationml/2006/main">
-  <p:cSld>
-    <p:spTree>
-      <p:nvGrpSpPr>
-        <p:cNvPr id="1" name=""/>
-        <p:cNvGrpSpPr/>
-        <p:nvPr/>
-      </p:nvGrpSpPr>
-      <p:grpSpPr>
-        <a:xfrm>
-          <a:off x="0" y="0"/>
-          <a:ext cx="0" cy="0"/>
-          <a:chOff x="0" y="0"/>
-          <a:chExt cx="0" cy="0"/>
-        </a:xfrm>
-      </p:grpSpPr>
-      <p:sp>
-        <p:nvSpPr>
-          <p:cNvPr id="2" name="Title 1"/>
-          <p:cNvSpPr>
-            <a:spLocks noGrp="1"/>
-          </p:cNvSpPr>
-          <p:nvPr>
-            <p:ph type="title"/>
-          </p:nvPr>
-        </p:nvSpPr>
-        <p:spPr/>
-        <p:txBody>
-          <a:bodyPr/>
-          <a:lstStyle/>
-          <a:p>
-            <a:pPr algn="ctr"/>
-            <a:r>
-              <a:rPr lang="en-US" dirty="0" smtClean="0"/>
-              <a:t>Event-driven arch meets 12-factor app</a:t>
-            </a:r>
-            <a:endParaRPr lang="en-US" dirty="0"/>
-          </a:p>
-        </p:txBody>
-      </p:sp>
-      <p:sp>
-        <p:nvSpPr>
-          <p:cNvPr id="3" name="Content Placeholder 2"/>
-          <p:cNvSpPr>
-            <a:spLocks noGrp="1"/>
-          </p:cNvSpPr>
-          <p:nvPr>
-            <p:ph idx="1"/>
-          </p:nvPr>
-        </p:nvSpPr>
-        <p:spPr/>
-        <p:txBody>
-          <a:bodyPr/>
-          <a:lstStyle/>
-          <a:p>
-            <a:endParaRPr lang="en-US"/>
-          </a:p>
-        </p:txBody>
-      </p:sp>
-    </p:spTree>
-    <p:extLst>
-      <p:ext uri="{BB962C8B-B14F-4D97-AF65-F5344CB8AC3E}">
-        <p14:creationId xmlns:p14="http://schemas.microsoft.com/office/powerpoint/2010/main" val="2108492003"/>
-      </p:ext>
-    </p:extLst>
-  </p:cSld>
-  <p:clrMapOvr>
-    <a:masterClrMapping/>
-  </p:clrMapOvr>
-  <p:timing>
-    <p:tnLst>
-      <p:par>
-        <p:cTn id="1" dur="indefinite" restart="never" nodeType="tmRoot"/>
-      </p:par>
-    </p:tnLst>
-  </p:timing>
-</p:sld>
-</file>
-
-<file path=ppt/slides/slide6.xml><?xml version="1.0" encoding="utf-8"?>
 <p:sld xmlns:a="http://schemas.openxmlformats.org/drawingml/2006/main" xmlns:r="http://schemas.openxmlformats.org/officeDocument/2006/relationships" xmlns:p="http://schemas.openxmlformats.org/presentationml/2006/main">
   <p:cSld>
     <p:bg>
@@ -6907,6 +6834,249 @@
       </p:par>
     </p:tnLst>
   </p:timing>
+</p:sld>
+</file>
+
+<file path=ppt/slides/slide6.xml><?xml version="1.0" encoding="utf-8"?>
+<p:sld xmlns:a="http://schemas.openxmlformats.org/drawingml/2006/main" xmlns:r="http://schemas.openxmlformats.org/officeDocument/2006/relationships" xmlns:p="http://schemas.openxmlformats.org/presentationml/2006/main">
+  <p:cSld>
+    <p:spTree>
+      <p:nvGrpSpPr>
+        <p:cNvPr id="1" name=""/>
+        <p:cNvGrpSpPr/>
+        <p:nvPr/>
+      </p:nvGrpSpPr>
+      <p:grpSpPr>
+        <a:xfrm>
+          <a:off x="0" y="0"/>
+          <a:ext cx="0" cy="0"/>
+          <a:chOff x="0" y="0"/>
+          <a:chExt cx="0" cy="0"/>
+        </a:xfrm>
+      </p:grpSpPr>
+      <p:sp>
+        <p:nvSpPr>
+          <p:cNvPr id="2" name="Title 1"/>
+          <p:cNvSpPr>
+            <a:spLocks noGrp="1"/>
+          </p:cNvSpPr>
+          <p:nvPr>
+            <p:ph type="title"/>
+          </p:nvPr>
+        </p:nvSpPr>
+        <p:spPr/>
+        <p:txBody>
+          <a:bodyPr/>
+          <a:lstStyle/>
+          <a:p>
+            <a:pPr algn="ctr"/>
+            <a:r>
+              <a:rPr lang="en-US" dirty="0"/>
+              <a:t>Event-driven arch meets 12-factor </a:t>
+            </a:r>
+            <a:r>
+              <a:rPr lang="en-US" dirty="0" smtClean="0"/>
+              <a:t>app</a:t>
+            </a:r>
+            <a:endParaRPr lang="en-US" dirty="0"/>
+          </a:p>
+        </p:txBody>
+      </p:sp>
+      <p:sp>
+        <p:nvSpPr>
+          <p:cNvPr id="3" name="Text Placeholder 2"/>
+          <p:cNvSpPr>
+            <a:spLocks noGrp="1"/>
+          </p:cNvSpPr>
+          <p:nvPr>
+            <p:ph type="body" idx="1"/>
+          </p:nvPr>
+        </p:nvSpPr>
+        <p:spPr/>
+        <p:txBody>
+          <a:bodyPr/>
+          <a:lstStyle/>
+          <a:p>
+            <a:r>
+              <a:rPr lang="en-US" dirty="0" smtClean="0"/>
+              <a:t>Sync app</a:t>
+            </a:r>
+            <a:endParaRPr lang="en-US" dirty="0"/>
+          </a:p>
+        </p:txBody>
+      </p:sp>
+      <p:sp>
+        <p:nvSpPr>
+          <p:cNvPr id="4" name="Content Placeholder 3"/>
+          <p:cNvSpPr>
+            <a:spLocks noGrp="1"/>
+          </p:cNvSpPr>
+          <p:nvPr>
+            <p:ph sz="half" idx="2"/>
+          </p:nvPr>
+        </p:nvSpPr>
+        <p:spPr/>
+        <p:txBody>
+          <a:bodyPr/>
+          <a:lstStyle/>
+          <a:p>
+            <a:r>
+              <a:rPr lang="en-US" dirty="0" smtClean="0"/>
+              <a:t>Tight coupling</a:t>
+            </a:r>
+          </a:p>
+          <a:p>
+            <a:r>
+              <a:rPr lang="en-US" dirty="0" smtClean="0"/>
+              <a:t>Some processes have multiple reasons to change</a:t>
+            </a:r>
+          </a:p>
+          <a:p>
+            <a:r>
+              <a:rPr lang="en-US" dirty="0" smtClean="0"/>
+              <a:t>Resources cannot be detached</a:t>
+            </a:r>
+          </a:p>
+          <a:p>
+            <a:r>
+              <a:rPr lang="en-US" dirty="0" smtClean="0"/>
+              <a:t>High chances for data to get out of sync</a:t>
+            </a:r>
+          </a:p>
+          <a:p>
+            <a:r>
+              <a:rPr lang="en-US" dirty="0" smtClean="0"/>
+              <a:t>Stopping a resource must be planned</a:t>
+            </a:r>
+            <a:endParaRPr lang="en-US" dirty="0"/>
+          </a:p>
+        </p:txBody>
+      </p:sp>
+      <p:sp>
+        <p:nvSpPr>
+          <p:cNvPr id="5" name="Text Placeholder 4"/>
+          <p:cNvSpPr>
+            <a:spLocks noGrp="1"/>
+          </p:cNvSpPr>
+          <p:nvPr>
+            <p:ph type="body" sz="quarter" idx="3"/>
+          </p:nvPr>
+        </p:nvSpPr>
+        <p:spPr/>
+        <p:txBody>
+          <a:bodyPr/>
+          <a:lstStyle/>
+          <a:p>
+            <a:r>
+              <a:rPr lang="en-US" dirty="0" err="1" smtClean="0"/>
+              <a:t>Async</a:t>
+            </a:r>
+            <a:r>
+              <a:rPr lang="en-US" dirty="0" smtClean="0"/>
+              <a:t> app</a:t>
+            </a:r>
+            <a:endParaRPr lang="en-US" dirty="0"/>
+          </a:p>
+        </p:txBody>
+      </p:sp>
+      <p:sp>
+        <p:nvSpPr>
+          <p:cNvPr id="6" name="Content Placeholder 5"/>
+          <p:cNvSpPr>
+            <a:spLocks noGrp="1"/>
+          </p:cNvSpPr>
+          <p:nvPr>
+            <p:ph sz="quarter" idx="4"/>
+          </p:nvPr>
+        </p:nvSpPr>
+        <p:spPr/>
+        <p:txBody>
+          <a:bodyPr/>
+          <a:lstStyle/>
+          <a:p>
+            <a:r>
+              <a:rPr lang="en-US" dirty="0" smtClean="0"/>
+              <a:t>Loose coupling</a:t>
+            </a:r>
+          </a:p>
+          <a:p>
+            <a:r>
+              <a:rPr lang="en-US" dirty="0" smtClean="0"/>
+              <a:t>Each process has one and only one reason to change</a:t>
+            </a:r>
+          </a:p>
+          <a:p>
+            <a:r>
+              <a:rPr lang="en-US" dirty="0" smtClean="0"/>
+              <a:t>Resources can be detached</a:t>
+            </a:r>
+          </a:p>
+          <a:p>
+            <a:r>
+              <a:rPr lang="en-US" dirty="0" smtClean="0"/>
+              <a:t>Low chances for data to get out of sync</a:t>
+            </a:r>
+          </a:p>
+          <a:p>
+            <a:r>
+              <a:rPr lang="en-US" dirty="0" smtClean="0"/>
+              <a:t>Resource can stop at any given point</a:t>
+            </a:r>
+          </a:p>
+          <a:p>
+            <a:endParaRPr lang="en-US" dirty="0"/>
+          </a:p>
+        </p:txBody>
+      </p:sp>
+      <p:sp>
+        <p:nvSpPr>
+          <p:cNvPr id="7" name="TextBox 6"/>
+          <p:cNvSpPr txBox="1"/>
+          <p:nvPr/>
+        </p:nvSpPr>
+        <p:spPr>
+          <a:xfrm>
+            <a:off x="675745" y="1399360"/>
+            <a:ext cx="8598256" cy="646331"/>
+          </a:xfrm>
+          <a:prstGeom prst="rect">
+            <a:avLst/>
+          </a:prstGeom>
+          <a:noFill/>
+        </p:spPr>
+        <p:txBody>
+          <a:bodyPr wrap="square" rtlCol="0">
+            <a:spAutoFit/>
+          </a:bodyPr>
+          <a:lstStyle/>
+          <a:p>
+            <a:pPr algn="ctr"/>
+            <a:r>
+              <a:rPr lang="en-US" dirty="0" smtClean="0"/>
+              <a:t>By following the distributed</a:t>
+            </a:r>
+            <a:r>
+              <a:rPr lang="en-US" dirty="0"/>
+              <a:t> </a:t>
+            </a:r>
+            <a:r>
+              <a:rPr lang="en-US" dirty="0" smtClean="0"/>
+              <a:t>asynchronous architecture pattern, we turn a legacy set of services into a highly scalable and robust SaaS solution.</a:t>
+            </a:r>
+            <a:endParaRPr lang="en-US" dirty="0"/>
+          </a:p>
+        </p:txBody>
+      </p:sp>
+    </p:spTree>
+    <p:extLst>
+      <p:ext uri="{BB962C8B-B14F-4D97-AF65-F5344CB8AC3E}">
+        <p14:creationId xmlns:p14="http://schemas.microsoft.com/office/powerpoint/2010/main" val="1217353408"/>
+      </p:ext>
+    </p:extLst>
+  </p:cSld>
+  <p:clrMapOvr>
+    <a:masterClrMapping/>
+  </p:clrMapOvr>
 </p:sld>
 </file>
 

--- a/doc/deck.pptx
+++ b/doc/deck.pptx
@@ -842,7 +842,7 @@
             <a:fld id="{B61BEF0D-F0BB-DE4B-95CE-6DB70DBA9567}" type="datetimeFigureOut">
               <a:rPr lang="en-US" dirty="0"/>
               <a:pPr/>
-              <a:t>4/30/2019</a:t>
+              <a:t>5/1/2019</a:t>
             </a:fld>
             <a:endParaRPr lang="en-US" dirty="0"/>
           </a:p>
@@ -1090,7 +1090,7 @@
             <a:fld id="{B61BEF0D-F0BB-DE4B-95CE-6DB70DBA9567}" type="datetimeFigureOut">
               <a:rPr lang="en-US" dirty="0"/>
               <a:pPr/>
-              <a:t>4/30/2019</a:t>
+              <a:t>5/1/2019</a:t>
             </a:fld>
             <a:endParaRPr lang="en-US" dirty="0"/>
           </a:p>
@@ -1401,7 +1401,7 @@
             <a:fld id="{B61BEF0D-F0BB-DE4B-95CE-6DB70DBA9567}" type="datetimeFigureOut">
               <a:rPr lang="en-US" dirty="0"/>
               <a:pPr/>
-              <a:t>4/30/2019</a:t>
+              <a:t>5/1/2019</a:t>
             </a:fld>
             <a:endParaRPr lang="en-US" dirty="0"/>
           </a:p>
@@ -1739,7 +1739,7 @@
             <a:fld id="{B61BEF0D-F0BB-DE4B-95CE-6DB70DBA9567}" type="datetimeFigureOut">
               <a:rPr lang="en-US" dirty="0"/>
               <a:pPr/>
-              <a:t>4/30/2019</a:t>
+              <a:t>5/1/2019</a:t>
             </a:fld>
             <a:endParaRPr lang="en-US" dirty="0"/>
           </a:p>
@@ -2050,7 +2050,7 @@
             <a:fld id="{B61BEF0D-F0BB-DE4B-95CE-6DB70DBA9567}" type="datetimeFigureOut">
               <a:rPr lang="en-US" dirty="0"/>
               <a:pPr/>
-              <a:t>4/30/2019</a:t>
+              <a:t>5/1/2019</a:t>
             </a:fld>
             <a:endParaRPr lang="en-US" dirty="0"/>
           </a:p>
@@ -2440,7 +2440,7 @@
             <a:fld id="{B61BEF0D-F0BB-DE4B-95CE-6DB70DBA9567}" type="datetimeFigureOut">
               <a:rPr lang="en-US" dirty="0"/>
               <a:pPr/>
-              <a:t>4/30/2019</a:t>
+              <a:t>5/1/2019</a:t>
             </a:fld>
             <a:endParaRPr lang="en-US" dirty="0"/>
           </a:p>
@@ -2606,7 +2606,7 @@
           <a:p>
             <a:fld id="{55C6B4A9-1611-4792-9094-5F34BCA07E0B}" type="datetimeFigureOut">
               <a:rPr lang="en-US" dirty="0"/>
-              <a:t>4/30/2019</a:t>
+              <a:t>5/1/2019</a:t>
             </a:fld>
             <a:endParaRPr lang="en-US" dirty="0"/>
           </a:p>
@@ -2782,7 +2782,7 @@
             <a:fld id="{B61BEF0D-F0BB-DE4B-95CE-6DB70DBA9567}" type="datetimeFigureOut">
               <a:rPr lang="en-US" dirty="0"/>
               <a:pPr/>
-              <a:t>4/30/2019</a:t>
+              <a:t>5/1/2019</a:t>
             </a:fld>
             <a:endParaRPr lang="en-US" dirty="0"/>
           </a:p>
@@ -2955,7 +2955,7 @@
             <a:fld id="{B61BEF0D-F0BB-DE4B-95CE-6DB70DBA9567}" type="datetimeFigureOut">
               <a:rPr lang="en-US" dirty="0"/>
               <a:pPr/>
-              <a:t>4/30/2019</a:t>
+              <a:t>5/1/2019</a:t>
             </a:fld>
             <a:endParaRPr lang="en-US" dirty="0"/>
           </a:p>
@@ -3199,7 +3199,7 @@
             <a:fld id="{B61BEF0D-F0BB-DE4B-95CE-6DB70DBA9567}" type="datetimeFigureOut">
               <a:rPr lang="en-US" dirty="0"/>
               <a:pPr/>
-              <a:t>4/30/2019</a:t>
+              <a:t>5/1/2019</a:t>
             </a:fld>
             <a:endParaRPr lang="en-US" dirty="0"/>
           </a:p>
@@ -3427,7 +3427,7 @@
           <a:p>
             <a:fld id="{EB712588-04B1-427B-82EE-E8DB90309F08}" type="datetimeFigureOut">
               <a:rPr lang="en-US" dirty="0"/>
-              <a:t>4/30/2019</a:t>
+              <a:t>5/1/2019</a:t>
             </a:fld>
             <a:endParaRPr lang="en-US" dirty="0"/>
           </a:p>
@@ -3797,7 +3797,7 @@
             <a:fld id="{B61BEF0D-F0BB-DE4B-95CE-6DB70DBA9567}" type="datetimeFigureOut">
               <a:rPr lang="en-US" dirty="0"/>
               <a:pPr/>
-              <a:t>4/30/2019</a:t>
+              <a:t>5/1/2019</a:t>
             </a:fld>
             <a:endParaRPr lang="en-US" dirty="0"/>
           </a:p>
@@ -3917,7 +3917,7 @@
             <a:fld id="{B61BEF0D-F0BB-DE4B-95CE-6DB70DBA9567}" type="datetimeFigureOut">
               <a:rPr lang="en-US" dirty="0"/>
               <a:pPr/>
-              <a:t>4/30/2019</a:t>
+              <a:t>5/1/2019</a:t>
             </a:fld>
             <a:endParaRPr lang="en-US" dirty="0"/>
           </a:p>
@@ -4009,7 +4009,7 @@
             <a:fld id="{B61BEF0D-F0BB-DE4B-95CE-6DB70DBA9567}" type="datetimeFigureOut">
               <a:rPr lang="en-US" dirty="0"/>
               <a:pPr/>
-              <a:t>4/30/2019</a:t>
+              <a:t>5/1/2019</a:t>
             </a:fld>
             <a:endParaRPr lang="en-US" dirty="0"/>
           </a:p>
@@ -4260,7 +4260,7 @@
           <a:p>
             <a:fld id="{42A54C80-263E-416B-A8E0-580EDEADCBDC}" type="datetimeFigureOut">
               <a:rPr lang="en-US" dirty="0"/>
-              <a:t>4/30/2019</a:t>
+              <a:t>5/1/2019</a:t>
             </a:fld>
             <a:endParaRPr lang="en-US" dirty="0"/>
           </a:p>
@@ -4519,7 +4519,7 @@
             <a:fld id="{B61BEF0D-F0BB-DE4B-95CE-6DB70DBA9567}" type="datetimeFigureOut">
               <a:rPr lang="en-US" dirty="0"/>
               <a:pPr/>
-              <a:t>4/30/2019</a:t>
+              <a:t>5/1/2019</a:t>
             </a:fld>
             <a:endParaRPr lang="en-US" dirty="0"/>
           </a:p>
@@ -5259,7 +5259,7 @@
             <a:fld id="{B61BEF0D-F0BB-DE4B-95CE-6DB70DBA9567}" type="datetimeFigureOut">
               <a:rPr lang="en-US" dirty="0"/>
               <a:pPr/>
-              <a:t>4/30/2019</a:t>
+              <a:t>5/1/2019</a:t>
             </a:fld>
             <a:endParaRPr lang="en-US" dirty="0"/>
           </a:p>
@@ -5839,15 +5839,7 @@
             </a:r>
             <a:r>
               <a:rPr lang="en-US" dirty="0" smtClean="0"/>
-              <a:t>acking services</a:t>
-            </a:r>
-            <a:r>
-              <a:rPr lang="en-US" dirty="0" smtClean="0"/>
-              <a:t>”, “Processes” and “Disposability” </a:t>
-            </a:r>
-            <a:r>
-              <a:rPr lang="en-US" dirty="0" smtClean="0"/>
-              <a:t>factors</a:t>
+              <a:t>acking services”, “Processes” and “Disposability” factors</a:t>
             </a:r>
             <a:endParaRPr lang="en-US" dirty="0"/>
           </a:p>
@@ -7020,7 +7012,15 @@
           <a:p>
             <a:r>
               <a:rPr lang="en-US" dirty="0" smtClean="0"/>
-              <a:t>Resource can stop at any given point</a:t>
+              <a:t>A r</a:t>
+            </a:r>
+            <a:r>
+              <a:rPr lang="en-US" dirty="0" smtClean="0"/>
+              <a:t>esource </a:t>
+            </a:r>
+            <a:r>
+              <a:rPr lang="en-US" dirty="0" smtClean="0"/>
+              <a:t>can stop at any given point</a:t>
             </a:r>
           </a:p>
           <a:p>
